--- a/temp_01.pptx
+++ b/temp_01.pptx
@@ -5,11 +5,16 @@
     <p:sldMasterId id="2147483648" r:id="rId1"/>
   </p:sldMasterIdLst>
   <p:notesMasterIdLst>
-    <p:notesMasterId r:id="rId4"/>
+    <p:notesMasterId r:id="rId9"/>
   </p:notesMasterIdLst>
   <p:sldIdLst>
     <p:sldId id="256" r:id="rId2"/>
-    <p:sldId id="257" r:id="rId3"/>
+    <p:sldId id="263" r:id="rId3"/>
+    <p:sldId id="264" r:id="rId4"/>
+    <p:sldId id="259" r:id="rId5"/>
+    <p:sldId id="260" r:id="rId6"/>
+    <p:sldId id="262" r:id="rId7"/>
+    <p:sldId id="258" r:id="rId8"/>
   </p:sldIdLst>
   <p:sldSz cx="12192000" cy="6858000"/>
   <p:notesSz cx="6858000" cy="9144000"/>
@@ -209,7 +214,7 @@
           <a:p>
             <a:fld id="{2BBADACC-C131-43B8-AAC3-FED1C766E611}" type="datetimeFigureOut">
               <a:rPr kumimoji="1" lang="ja-JP" altLang="en-US" smtClean="0"/>
-              <a:t>2023/5/30</a:t>
+              <a:t>2023/6/1</a:t>
             </a:fld>
             <a:endParaRPr kumimoji="1" lang="ja-JP" altLang="en-US"/>
           </a:p>
@@ -1563,6 +1568,520 @@
 
 <file path=ppt/slideLayouts/slideLayout12.xml><?xml version="1.0" encoding="utf-8"?>
 <p:sldLayout xmlns:a="http://schemas.openxmlformats.org/drawingml/2006/main" xmlns:r="http://schemas.openxmlformats.org/officeDocument/2006/relationships" xmlns:p="http://schemas.openxmlformats.org/presentationml/2006/main" preserve="1" userDrawn="1">
+  <p:cSld name="2_1列2行">
+    <p:bg>
+      <p:bgPr>
+        <a:solidFill>
+          <a:srgbClr val="F7F7F7"/>
+        </a:solidFill>
+        <a:effectLst/>
+      </p:bgPr>
+    </p:bg>
+    <p:spTree>
+      <p:nvGrpSpPr>
+        <p:cNvPr id="1" name=""/>
+        <p:cNvGrpSpPr/>
+        <p:nvPr/>
+      </p:nvGrpSpPr>
+      <p:grpSpPr>
+        <a:xfrm>
+          <a:off x="0" y="0"/>
+          <a:ext cx="0" cy="0"/>
+          <a:chOff x="0" y="0"/>
+          <a:chExt cx="0" cy="0"/>
+        </a:xfrm>
+      </p:grpSpPr>
+      <p:sp>
+        <p:nvSpPr>
+          <p:cNvPr id="7" name="正方形/長方形 6">
+            <a:extLst>
+              <a:ext uri="{FF2B5EF4-FFF2-40B4-BE49-F238E27FC236}">
+                <a16:creationId xmlns:a16="http://schemas.microsoft.com/office/drawing/2014/main" id="{9A6D3267-F199-86D7-1DB6-0C55AD61D05D}"/>
+              </a:ext>
+            </a:extLst>
+          </p:cNvPr>
+          <p:cNvSpPr/>
+          <p:nvPr userDrawn="1"/>
+        </p:nvSpPr>
+        <p:spPr>
+          <a:xfrm>
+            <a:off x="157113" y="329939"/>
+            <a:ext cx="11877773" cy="480767"/>
+          </a:xfrm>
+          <a:prstGeom prst="rect">
+            <a:avLst/>
+          </a:prstGeom>
+          <a:solidFill>
+            <a:srgbClr val="F7F7F7"/>
+          </a:solidFill>
+          <a:ln>
+            <a:noFill/>
+          </a:ln>
+        </p:spPr>
+        <p:style>
+          <a:lnRef idx="2">
+            <a:schemeClr val="accent1">
+              <a:shade val="50000"/>
+            </a:schemeClr>
+          </a:lnRef>
+          <a:fillRef idx="1">
+            <a:schemeClr val="accent1"/>
+          </a:fillRef>
+          <a:effectRef idx="0">
+            <a:schemeClr val="accent1"/>
+          </a:effectRef>
+          <a:fontRef idx="minor">
+            <a:schemeClr val="lt1"/>
+          </a:fontRef>
+        </p:style>
+        <p:txBody>
+          <a:bodyPr rtlCol="0" anchor="ctr"/>
+          <a:lstStyle/>
+          <a:p>
+            <a:pPr algn="ctr"/>
+            <a:endParaRPr kumimoji="1" lang="ja-JP" altLang="en-US"/>
+          </a:p>
+        </p:txBody>
+      </p:sp>
+      <p:sp>
+        <p:nvSpPr>
+          <p:cNvPr id="18" name="正方形/長方形 17">
+            <a:extLst>
+              <a:ext uri="{FF2B5EF4-FFF2-40B4-BE49-F238E27FC236}">
+                <a16:creationId xmlns:a16="http://schemas.microsoft.com/office/drawing/2014/main" id="{BF765022-0094-EDD6-287D-B7A6B264CD87}"/>
+              </a:ext>
+            </a:extLst>
+          </p:cNvPr>
+          <p:cNvSpPr/>
+          <p:nvPr userDrawn="1"/>
+        </p:nvSpPr>
+        <p:spPr>
+          <a:xfrm>
+            <a:off x="0" y="0"/>
+            <a:ext cx="6096000" cy="6858000"/>
+          </a:xfrm>
+          <a:prstGeom prst="rect">
+            <a:avLst/>
+          </a:prstGeom>
+          <a:solidFill>
+            <a:srgbClr val="07BDCA"/>
+          </a:solidFill>
+          <a:ln>
+            <a:noFill/>
+          </a:ln>
+        </p:spPr>
+        <p:style>
+          <a:lnRef idx="2">
+            <a:schemeClr val="accent1">
+              <a:shade val="50000"/>
+            </a:schemeClr>
+          </a:lnRef>
+          <a:fillRef idx="1">
+            <a:schemeClr val="accent1"/>
+          </a:fillRef>
+          <a:effectRef idx="0">
+            <a:schemeClr val="accent1"/>
+          </a:effectRef>
+          <a:fontRef idx="minor">
+            <a:schemeClr val="lt1"/>
+          </a:fontRef>
+        </p:style>
+        <p:txBody>
+          <a:bodyPr rtlCol="0" anchor="ctr"/>
+          <a:lstStyle/>
+          <a:p>
+            <a:pPr algn="ctr"/>
+            <a:endParaRPr kumimoji="1" lang="ja-JP" altLang="en-US"/>
+          </a:p>
+        </p:txBody>
+      </p:sp>
+      <p:sp>
+        <p:nvSpPr>
+          <p:cNvPr id="23" name="テキスト プレースホルダー 22">
+            <a:extLst>
+              <a:ext uri="{FF2B5EF4-FFF2-40B4-BE49-F238E27FC236}">
+                <a16:creationId xmlns:a16="http://schemas.microsoft.com/office/drawing/2014/main" id="{E9F4D7B9-7B2A-91F9-08A6-609F8E10DD56}"/>
+              </a:ext>
+            </a:extLst>
+          </p:cNvPr>
+          <p:cNvSpPr>
+            <a:spLocks noGrp="1"/>
+          </p:cNvSpPr>
+          <p:nvPr>
+            <p:ph type="body" sz="quarter" idx="10" hasCustomPrompt="1"/>
+          </p:nvPr>
+        </p:nvSpPr>
+        <p:spPr>
+          <a:xfrm>
+            <a:off x="1085850" y="2124074"/>
+            <a:ext cx="3571875" cy="923925"/>
+          </a:xfrm>
+          <a:prstGeom prst="rect">
+            <a:avLst/>
+          </a:prstGeom>
+        </p:spPr>
+        <p:txBody>
+          <a:bodyPr anchor="ctr"/>
+          <a:lstStyle>
+            <a:lvl1pPr marL="0" indent="0" algn="ctr">
+              <a:buNone/>
+              <a:defRPr sz="2800">
+                <a:solidFill>
+                  <a:schemeClr val="bg1"/>
+                </a:solidFill>
+                <a:latin typeface="HGS明朝B" panose="02020800000000000000" pitchFamily="18" charset="-128"/>
+                <a:ea typeface="HGS明朝B" panose="02020800000000000000" pitchFamily="18" charset="-128"/>
+              </a:defRPr>
+            </a:lvl1pPr>
+          </a:lstStyle>
+          <a:p>
+            <a:pPr lvl="0"/>
+            <a:r>
+              <a:rPr kumimoji="1" lang="ja-JP" altLang="en-US" dirty="0"/>
+              <a:t>格言を書きます</a:t>
+            </a:r>
+          </a:p>
+        </p:txBody>
+      </p:sp>
+      <p:sp>
+        <p:nvSpPr>
+          <p:cNvPr id="24" name="テキスト プレースホルダー 22">
+            <a:extLst>
+              <a:ext uri="{FF2B5EF4-FFF2-40B4-BE49-F238E27FC236}">
+                <a16:creationId xmlns:a16="http://schemas.microsoft.com/office/drawing/2014/main" id="{8321389B-E4F6-8340-EBEF-E3842A5B4A44}"/>
+              </a:ext>
+            </a:extLst>
+          </p:cNvPr>
+          <p:cNvSpPr>
+            <a:spLocks noGrp="1"/>
+          </p:cNvSpPr>
+          <p:nvPr>
+            <p:ph type="body" sz="quarter" idx="11" hasCustomPrompt="1"/>
+          </p:nvPr>
+        </p:nvSpPr>
+        <p:spPr>
+          <a:xfrm>
+            <a:off x="817627" y="3265601"/>
+            <a:ext cx="4108319" cy="2437615"/>
+          </a:xfrm>
+          <a:prstGeom prst="rect">
+            <a:avLst/>
+          </a:prstGeom>
+        </p:spPr>
+        <p:txBody>
+          <a:bodyPr anchor="ctr"/>
+          <a:lstStyle>
+            <a:lvl1pPr marL="0" indent="0" algn="ctr">
+              <a:lnSpc>
+                <a:spcPct val="100000"/>
+              </a:lnSpc>
+              <a:buNone/>
+              <a:defRPr sz="1200">
+                <a:solidFill>
+                  <a:schemeClr val="bg1"/>
+                </a:solidFill>
+                <a:latin typeface="HGS明朝B" panose="02020800000000000000" pitchFamily="18" charset="-128"/>
+                <a:ea typeface="HGS明朝B" panose="02020800000000000000" pitchFamily="18" charset="-128"/>
+              </a:defRPr>
+            </a:lvl1pPr>
+          </a:lstStyle>
+          <a:p>
+            <a:pPr lvl="0"/>
+            <a:r>
+              <a:rPr kumimoji="1" lang="ja-JP" altLang="en-US" dirty="0"/>
+              <a:t>ビジョンとは、私たちが実現させたい未来の姿です。</a:t>
+            </a:r>
+            <a:endParaRPr kumimoji="1" lang="en-US" altLang="ja-JP" dirty="0"/>
+          </a:p>
+          <a:p>
+            <a:pPr lvl="0"/>
+            <a:r>
+              <a:rPr kumimoji="1" lang="ja-JP" altLang="en-US" dirty="0"/>
+              <a:t>ミッションはビジョンに向かう現在の手段。そのために人が集まり、人をドライブさせる価値観があります。そして、価値観を体現するものが文化だと</a:t>
+            </a:r>
+            <a:endParaRPr kumimoji="1" lang="en-US" altLang="ja-JP" dirty="0"/>
+          </a:p>
+          <a:p>
+            <a:pPr lvl="0"/>
+            <a:r>
+              <a:rPr kumimoji="1" lang="ja-JP" altLang="en-US" dirty="0"/>
+              <a:t>私たちは考えています。</a:t>
+            </a:r>
+          </a:p>
+        </p:txBody>
+      </p:sp>
+    </p:spTree>
+    <p:extLst>
+      <p:ext uri="{BB962C8B-B14F-4D97-AF65-F5344CB8AC3E}">
+        <p14:creationId xmlns:p14="http://schemas.microsoft.com/office/powerpoint/2010/main" val="3304524032"/>
+      </p:ext>
+    </p:extLst>
+  </p:cSld>
+  <p:clrMapOvr>
+    <a:masterClrMapping/>
+  </p:clrMapOvr>
+</p:sldLayout>
+</file>
+
+<file path=ppt/slideLayouts/slideLayout13.xml><?xml version="1.0" encoding="utf-8"?>
+<p:sldLayout xmlns:a="http://schemas.openxmlformats.org/drawingml/2006/main" xmlns:r="http://schemas.openxmlformats.org/officeDocument/2006/relationships" xmlns:p="http://schemas.openxmlformats.org/presentationml/2006/main" preserve="1" userDrawn="1">
+  <p:cSld name="3_1列2行">
+    <p:bg>
+      <p:bgPr>
+        <a:solidFill>
+          <a:srgbClr val="F7F7F7"/>
+        </a:solidFill>
+        <a:effectLst/>
+      </p:bgPr>
+    </p:bg>
+    <p:spTree>
+      <p:nvGrpSpPr>
+        <p:cNvPr id="1" name=""/>
+        <p:cNvGrpSpPr/>
+        <p:nvPr/>
+      </p:nvGrpSpPr>
+      <p:grpSpPr>
+        <a:xfrm>
+          <a:off x="0" y="0"/>
+          <a:ext cx="0" cy="0"/>
+          <a:chOff x="0" y="0"/>
+          <a:chExt cx="0" cy="0"/>
+        </a:xfrm>
+      </p:grpSpPr>
+      <p:sp>
+        <p:nvSpPr>
+          <p:cNvPr id="7" name="正方形/長方形 6">
+            <a:extLst>
+              <a:ext uri="{FF2B5EF4-FFF2-40B4-BE49-F238E27FC236}">
+                <a16:creationId xmlns:a16="http://schemas.microsoft.com/office/drawing/2014/main" id="{9A6D3267-F199-86D7-1DB6-0C55AD61D05D}"/>
+              </a:ext>
+            </a:extLst>
+          </p:cNvPr>
+          <p:cNvSpPr/>
+          <p:nvPr userDrawn="1"/>
+        </p:nvSpPr>
+        <p:spPr>
+          <a:xfrm>
+            <a:off x="157113" y="329939"/>
+            <a:ext cx="11877773" cy="480767"/>
+          </a:xfrm>
+          <a:prstGeom prst="rect">
+            <a:avLst/>
+          </a:prstGeom>
+          <a:solidFill>
+            <a:srgbClr val="F7F7F7"/>
+          </a:solidFill>
+          <a:ln>
+            <a:noFill/>
+          </a:ln>
+        </p:spPr>
+        <p:style>
+          <a:lnRef idx="2">
+            <a:schemeClr val="accent1">
+              <a:shade val="50000"/>
+            </a:schemeClr>
+          </a:lnRef>
+          <a:fillRef idx="1">
+            <a:schemeClr val="accent1"/>
+          </a:fillRef>
+          <a:effectRef idx="0">
+            <a:schemeClr val="accent1"/>
+          </a:effectRef>
+          <a:fontRef idx="minor">
+            <a:schemeClr val="lt1"/>
+          </a:fontRef>
+        </p:style>
+        <p:txBody>
+          <a:bodyPr rtlCol="0" anchor="ctr"/>
+          <a:lstStyle/>
+          <a:p>
+            <a:pPr algn="ctr"/>
+            <a:endParaRPr kumimoji="1" lang="ja-JP" altLang="en-US"/>
+          </a:p>
+        </p:txBody>
+      </p:sp>
+      <p:sp>
+        <p:nvSpPr>
+          <p:cNvPr id="18" name="正方形/長方形 17">
+            <a:extLst>
+              <a:ext uri="{FF2B5EF4-FFF2-40B4-BE49-F238E27FC236}">
+                <a16:creationId xmlns:a16="http://schemas.microsoft.com/office/drawing/2014/main" id="{BF765022-0094-EDD6-287D-B7A6B264CD87}"/>
+              </a:ext>
+            </a:extLst>
+          </p:cNvPr>
+          <p:cNvSpPr/>
+          <p:nvPr userDrawn="1"/>
+        </p:nvSpPr>
+        <p:spPr>
+          <a:xfrm>
+            <a:off x="6096000" y="0"/>
+            <a:ext cx="6096000" cy="6858000"/>
+          </a:xfrm>
+          <a:prstGeom prst="rect">
+            <a:avLst/>
+          </a:prstGeom>
+          <a:solidFill>
+            <a:srgbClr val="07BDCA"/>
+          </a:solidFill>
+          <a:ln>
+            <a:noFill/>
+          </a:ln>
+        </p:spPr>
+        <p:style>
+          <a:lnRef idx="2">
+            <a:schemeClr val="accent1">
+              <a:shade val="50000"/>
+            </a:schemeClr>
+          </a:lnRef>
+          <a:fillRef idx="1">
+            <a:schemeClr val="accent1"/>
+          </a:fillRef>
+          <a:effectRef idx="0">
+            <a:schemeClr val="accent1"/>
+          </a:effectRef>
+          <a:fontRef idx="minor">
+            <a:schemeClr val="lt1"/>
+          </a:fontRef>
+        </p:style>
+        <p:txBody>
+          <a:bodyPr rtlCol="0" anchor="ctr"/>
+          <a:lstStyle/>
+          <a:p>
+            <a:pPr algn="ctr"/>
+            <a:endParaRPr kumimoji="1" lang="ja-JP" altLang="en-US"/>
+          </a:p>
+        </p:txBody>
+      </p:sp>
+      <p:sp>
+        <p:nvSpPr>
+          <p:cNvPr id="23" name="テキスト プレースホルダー 22">
+            <a:extLst>
+              <a:ext uri="{FF2B5EF4-FFF2-40B4-BE49-F238E27FC236}">
+                <a16:creationId xmlns:a16="http://schemas.microsoft.com/office/drawing/2014/main" id="{E9F4D7B9-7B2A-91F9-08A6-609F8E10DD56}"/>
+              </a:ext>
+            </a:extLst>
+          </p:cNvPr>
+          <p:cNvSpPr>
+            <a:spLocks noGrp="1"/>
+          </p:cNvSpPr>
+          <p:nvPr>
+            <p:ph type="body" sz="quarter" idx="10" hasCustomPrompt="1"/>
+          </p:nvPr>
+        </p:nvSpPr>
+        <p:spPr>
+          <a:xfrm>
+            <a:off x="7181850" y="2287473"/>
+            <a:ext cx="3571875" cy="923925"/>
+          </a:xfrm>
+          <a:prstGeom prst="rect">
+            <a:avLst/>
+          </a:prstGeom>
+        </p:spPr>
+        <p:txBody>
+          <a:bodyPr anchor="ctr"/>
+          <a:lstStyle>
+            <a:lvl1pPr marL="0" indent="0" algn="ctr">
+              <a:buNone/>
+              <a:defRPr sz="2800">
+                <a:solidFill>
+                  <a:schemeClr val="bg1"/>
+                </a:solidFill>
+                <a:latin typeface="HGS明朝B" panose="02020800000000000000" pitchFamily="18" charset="-128"/>
+                <a:ea typeface="HGS明朝B" panose="02020800000000000000" pitchFamily="18" charset="-128"/>
+              </a:defRPr>
+            </a:lvl1pPr>
+          </a:lstStyle>
+          <a:p>
+            <a:pPr lvl="0"/>
+            <a:r>
+              <a:rPr kumimoji="1" lang="ja-JP" altLang="en-US" dirty="0"/>
+              <a:t>格言を書きます</a:t>
+            </a:r>
+          </a:p>
+        </p:txBody>
+      </p:sp>
+      <p:sp>
+        <p:nvSpPr>
+          <p:cNvPr id="24" name="テキスト プレースホルダー 22">
+            <a:extLst>
+              <a:ext uri="{FF2B5EF4-FFF2-40B4-BE49-F238E27FC236}">
+                <a16:creationId xmlns:a16="http://schemas.microsoft.com/office/drawing/2014/main" id="{8321389B-E4F6-8340-EBEF-E3842A5B4A44}"/>
+              </a:ext>
+            </a:extLst>
+          </p:cNvPr>
+          <p:cNvSpPr>
+            <a:spLocks noGrp="1"/>
+          </p:cNvSpPr>
+          <p:nvPr>
+            <p:ph type="body" sz="quarter" idx="11" hasCustomPrompt="1"/>
+          </p:nvPr>
+        </p:nvSpPr>
+        <p:spPr>
+          <a:xfrm>
+            <a:off x="6913627" y="3429000"/>
+            <a:ext cx="4108319" cy="2437615"/>
+          </a:xfrm>
+          <a:prstGeom prst="rect">
+            <a:avLst/>
+          </a:prstGeom>
+        </p:spPr>
+        <p:txBody>
+          <a:bodyPr anchor="ctr"/>
+          <a:lstStyle>
+            <a:lvl1pPr marL="0" indent="0" algn="ctr">
+              <a:lnSpc>
+                <a:spcPct val="100000"/>
+              </a:lnSpc>
+              <a:buNone/>
+              <a:defRPr sz="1200">
+                <a:solidFill>
+                  <a:schemeClr val="bg1"/>
+                </a:solidFill>
+                <a:latin typeface="HGS明朝B" panose="02020800000000000000" pitchFamily="18" charset="-128"/>
+                <a:ea typeface="HGS明朝B" panose="02020800000000000000" pitchFamily="18" charset="-128"/>
+              </a:defRPr>
+            </a:lvl1pPr>
+          </a:lstStyle>
+          <a:p>
+            <a:pPr lvl="0"/>
+            <a:r>
+              <a:rPr kumimoji="1" lang="ja-JP" altLang="en-US" dirty="0"/>
+              <a:t>ビジョンとは、私たちが実現させたい未来の姿です。</a:t>
+            </a:r>
+            <a:endParaRPr kumimoji="1" lang="en-US" altLang="ja-JP" dirty="0"/>
+          </a:p>
+          <a:p>
+            <a:pPr lvl="0"/>
+            <a:r>
+              <a:rPr kumimoji="1" lang="ja-JP" altLang="en-US" dirty="0"/>
+              <a:t>ミッションはビジョンに向かう現在の手段。そのために人が集まり、人をドライブさせる価値観があります。そして、価値観を体現するものが文化だと</a:t>
+            </a:r>
+            <a:endParaRPr kumimoji="1" lang="en-US" altLang="ja-JP" dirty="0"/>
+          </a:p>
+          <a:p>
+            <a:pPr lvl="0"/>
+            <a:r>
+              <a:rPr kumimoji="1" lang="ja-JP" altLang="en-US" dirty="0"/>
+              <a:t>私たちは考えています。</a:t>
+            </a:r>
+          </a:p>
+        </p:txBody>
+      </p:sp>
+    </p:spTree>
+    <p:extLst>
+      <p:ext uri="{BB962C8B-B14F-4D97-AF65-F5344CB8AC3E}">
+        <p14:creationId xmlns:p14="http://schemas.microsoft.com/office/powerpoint/2010/main" val="4089559811"/>
+      </p:ext>
+    </p:extLst>
+  </p:cSld>
+  <p:clrMapOvr>
+    <a:masterClrMapping/>
+  </p:clrMapOvr>
+</p:sldLayout>
+</file>
+
+<file path=ppt/slideLayouts/slideLayout14.xml><?xml version="1.0" encoding="utf-8"?>
+<p:sldLayout xmlns:a="http://schemas.openxmlformats.org/drawingml/2006/main" xmlns:r="http://schemas.openxmlformats.org/officeDocument/2006/relationships" xmlns:p="http://schemas.openxmlformats.org/presentationml/2006/main" preserve="1" userDrawn="1">
   <p:cSld name="1_1列2行">
     <p:spTree>
       <p:nvGrpSpPr>
@@ -7666,7 +8185,9 @@
     <p:sldLayoutId id="2147483667" r:id="rId9"/>
     <p:sldLayoutId id="2147483650" r:id="rId10"/>
     <p:sldLayoutId id="2147483668" r:id="rId11"/>
-    <p:sldLayoutId id="2147483669" r:id="rId12"/>
+    <p:sldLayoutId id="2147483671" r:id="rId12"/>
+    <p:sldLayoutId id="2147483672" r:id="rId13"/>
+    <p:sldLayoutId id="2147483669" r:id="rId14"/>
   </p:sldLayoutIdLst>
   <p:hf hdr="0"/>
   <p:txStyles>
@@ -7988,14 +8509,36 @@
             <p:ph type="ctrTitle"/>
           </p:nvPr>
         </p:nvSpPr>
-        <p:spPr/>
+        <p:spPr>
+          <a:xfrm>
+            <a:off x="904352" y="1523721"/>
+            <a:ext cx="10319657" cy="2387600"/>
+          </a:xfrm>
+        </p:spPr>
         <p:txBody>
           <a:bodyPr/>
           <a:lstStyle/>
           <a:p>
+            <a:pPr algn="just"/>
+            <a:r>
+              <a:rPr lang="ja-JP" altLang="en-US" dirty="0"/>
+              <a:t>オントロジーに基づいたタンジブル</a:t>
+            </a:r>
+            <a:r>
+              <a:rPr kumimoji="1" lang="ja-JP" altLang="en-US" dirty="0"/>
+              <a:t>カード型</a:t>
+            </a:r>
             <a:r>
               <a:rPr kumimoji="1" lang="en-US" altLang="ja-JP" dirty="0"/>
-              <a:t>Slide Title</a:t>
+              <a:t>AR</a:t>
+            </a:r>
+            <a:r>
+              <a:rPr kumimoji="1" lang="ja-JP" altLang="en-US" dirty="0"/>
+              <a:t>教材の開発及び協調学習に</a:t>
+            </a:r>
+            <a:r>
+              <a:rPr lang="ja-JP" altLang="en-US" dirty="0"/>
+              <a:t>おける有用性の評価</a:t>
             </a:r>
             <a:endParaRPr kumimoji="1" lang="ja-JP" altLang="en-US" dirty="0"/>
           </a:p>
@@ -8017,20 +8560,38 @@
             <p:ph type="subTitle" idx="1"/>
           </p:nvPr>
         </p:nvSpPr>
-        <p:spPr/>
+        <p:spPr>
+          <a:xfrm>
+            <a:off x="1524000" y="4436784"/>
+            <a:ext cx="9144000" cy="1655762"/>
+          </a:xfrm>
+        </p:spPr>
         <p:txBody>
           <a:bodyPr/>
           <a:lstStyle/>
           <a:p>
             <a:r>
+              <a:rPr kumimoji="1" lang="en-US" altLang="ja-JP" dirty="0"/>
+              <a:t>1020101 </a:t>
+            </a:r>
+            <a:r>
+              <a:rPr kumimoji="1" lang="ja-JP" altLang="en-US" dirty="0"/>
+              <a:t>前田祥</a:t>
+            </a:r>
+            <a:endParaRPr kumimoji="1" lang="en-US" altLang="ja-JP" dirty="0"/>
+          </a:p>
+          <a:p>
+            <a:r>
               <a:rPr lang="en-US" altLang="ja-JP" dirty="0"/>
-              <a:t>Slide Sub Title</a:t>
-            </a:r>
-          </a:p>
-          <a:p>
-            <a:r>
-              <a:rPr kumimoji="1" lang="en-US" altLang="ja-JP" dirty="0"/>
-              <a:t>1020101 Akira Maeda</a:t>
+              <a:t>2023/06/01 (</a:t>
+            </a:r>
+            <a:r>
+              <a:rPr lang="ja-JP" altLang="en-US" dirty="0"/>
+              <a:t>木</a:t>
+            </a:r>
+            <a:r>
+              <a:rPr lang="en-US" altLang="ja-JP" dirty="0"/>
+              <a:t>)</a:t>
             </a:r>
             <a:endParaRPr kumimoji="1" lang="ja-JP" altLang="en-US" dirty="0"/>
           </a:p>
@@ -8068,46 +8629,18 @@
       </p:grpSpPr>
       <p:sp>
         <p:nvSpPr>
-          <p:cNvPr id="8" name="タイトル 7">
-            <a:extLst>
-              <a:ext uri="{FF2B5EF4-FFF2-40B4-BE49-F238E27FC236}">
-                <a16:creationId xmlns:a16="http://schemas.microsoft.com/office/drawing/2014/main" id="{36998E78-D470-0202-FFD0-D1A95423DC5F}"/>
-              </a:ext>
-            </a:extLst>
-          </p:cNvPr>
-          <p:cNvSpPr>
-            <a:spLocks noGrp="1"/>
-          </p:cNvSpPr>
-          <p:nvPr>
-            <p:ph type="title"/>
-          </p:nvPr>
-        </p:nvSpPr>
-        <p:spPr/>
-        <p:txBody>
-          <a:bodyPr/>
-          <a:lstStyle/>
-          <a:p>
-            <a:r>
-              <a:rPr lang="ja-JP" altLang="en-US" dirty="0"/>
-              <a:t>カラーパレット</a:t>
-            </a:r>
-          </a:p>
-        </p:txBody>
-      </p:sp>
-      <p:sp>
-        <p:nvSpPr>
-          <p:cNvPr id="3" name="スライド番号プレースホルダー 2">
-            <a:extLst>
-              <a:ext uri="{FF2B5EF4-FFF2-40B4-BE49-F238E27FC236}">
-                <a16:creationId xmlns:a16="http://schemas.microsoft.com/office/drawing/2014/main" id="{37913644-F001-D37E-D333-36FEE4FBF58C}"/>
-              </a:ext>
-            </a:extLst>
-          </p:cNvPr>
-          <p:cNvSpPr>
-            <a:spLocks noGrp="1"/>
-          </p:cNvSpPr>
-          <p:nvPr>
-            <p:ph type="sldNum" sz="quarter" idx="12"/>
+          <p:cNvPr id="2" name="スライド番号プレースホルダー 1">
+            <a:extLst>
+              <a:ext uri="{FF2B5EF4-FFF2-40B4-BE49-F238E27FC236}">
+                <a16:creationId xmlns:a16="http://schemas.microsoft.com/office/drawing/2014/main" id="{548916AE-C1A4-4AC9-5DB8-3EF4F03B7518}"/>
+              </a:ext>
+            </a:extLst>
+          </p:cNvPr>
+          <p:cNvSpPr>
+            <a:spLocks noGrp="1"/>
+          </p:cNvSpPr>
+          <p:nvPr>
+            <p:ph type="sldNum" sz="quarter" idx="10"/>
           </p:nvPr>
         </p:nvSpPr>
         <p:spPr/>
@@ -8124,10 +8657,1285 @@
           </a:p>
         </p:txBody>
       </p:sp>
+      <p:sp>
+        <p:nvSpPr>
+          <p:cNvPr id="3" name="テキスト プレースホルダー 2">
+            <a:extLst>
+              <a:ext uri="{FF2B5EF4-FFF2-40B4-BE49-F238E27FC236}">
+                <a16:creationId xmlns:a16="http://schemas.microsoft.com/office/drawing/2014/main" id="{E9E8CF61-A5A0-2D32-E44D-EAFE49EEEA84}"/>
+              </a:ext>
+            </a:extLst>
+          </p:cNvPr>
+          <p:cNvSpPr>
+            <a:spLocks noGrp="1"/>
+          </p:cNvSpPr>
+          <p:nvPr>
+            <p:ph type="body" sz="quarter" idx="12"/>
+          </p:nvPr>
+        </p:nvSpPr>
+        <p:spPr/>
+        <p:txBody>
+          <a:bodyPr/>
+          <a:lstStyle/>
+          <a:p>
+            <a:r>
+              <a:rPr lang="ja-JP" altLang="en-US" dirty="0"/>
+              <a:t>あ</a:t>
+            </a:r>
+            <a:endParaRPr lang="en-US" altLang="ja-JP" dirty="0"/>
+          </a:p>
+          <a:p>
+            <a:r>
+              <a:rPr kumimoji="1" lang="ja-JP" altLang="en-US" dirty="0"/>
+              <a:t>い</a:t>
+            </a:r>
+          </a:p>
+        </p:txBody>
+      </p:sp>
     </p:spTree>
     <p:extLst>
       <p:ext uri="{BB962C8B-B14F-4D97-AF65-F5344CB8AC3E}">
-        <p14:creationId xmlns:p14="http://schemas.microsoft.com/office/powerpoint/2010/main" val="1373414243"/>
+        <p14:creationId xmlns:p14="http://schemas.microsoft.com/office/powerpoint/2010/main" val="38566980"/>
+      </p:ext>
+    </p:extLst>
+  </p:cSld>
+  <p:clrMapOvr>
+    <a:masterClrMapping/>
+  </p:clrMapOvr>
+</p:sld>
+</file>
+
+<file path=ppt/slides/slide3.xml><?xml version="1.0" encoding="utf-8"?>
+<p:sld xmlns:a="http://schemas.openxmlformats.org/drawingml/2006/main" xmlns:r="http://schemas.openxmlformats.org/officeDocument/2006/relationships" xmlns:p="http://schemas.openxmlformats.org/presentationml/2006/main">
+  <p:cSld>
+    <p:spTree>
+      <p:nvGrpSpPr>
+        <p:cNvPr id="1" name=""/>
+        <p:cNvGrpSpPr/>
+        <p:nvPr/>
+      </p:nvGrpSpPr>
+      <p:grpSpPr>
+        <a:xfrm>
+          <a:off x="0" y="0"/>
+          <a:ext cx="0" cy="0"/>
+          <a:chOff x="0" y="0"/>
+          <a:chExt cx="0" cy="0"/>
+        </a:xfrm>
+      </p:grpSpPr>
+      <p:sp>
+        <p:nvSpPr>
+          <p:cNvPr id="2" name="タイトル 1">
+            <a:extLst>
+              <a:ext uri="{FF2B5EF4-FFF2-40B4-BE49-F238E27FC236}">
+                <a16:creationId xmlns:a16="http://schemas.microsoft.com/office/drawing/2014/main" id="{840F59D9-D531-F175-8655-38B7461D71D6}"/>
+              </a:ext>
+            </a:extLst>
+          </p:cNvPr>
+          <p:cNvSpPr>
+            <a:spLocks noGrp="1"/>
+          </p:cNvSpPr>
+          <p:nvPr>
+            <p:ph type="title"/>
+          </p:nvPr>
+        </p:nvSpPr>
+        <p:spPr/>
+        <p:txBody>
+          <a:bodyPr/>
+          <a:lstStyle/>
+          <a:p>
+            <a:r>
+              <a:rPr kumimoji="1" lang="ja-JP" altLang="en-US" dirty="0"/>
+              <a:t>生成</a:t>
+            </a:r>
+            <a:r>
+              <a:rPr kumimoji="1" lang="en-US" altLang="ja-JP" dirty="0"/>
+              <a:t>AI</a:t>
+            </a:r>
+            <a:r>
+              <a:rPr kumimoji="1" lang="ja-JP" altLang="en-US" dirty="0"/>
+              <a:t>の登場により</a:t>
+            </a:r>
+            <a:r>
+              <a:rPr kumimoji="1" lang="en-US" altLang="ja-JP" dirty="0"/>
+              <a:t>AI</a:t>
+            </a:r>
+            <a:r>
+              <a:rPr kumimoji="1" lang="ja-JP" altLang="en-US" dirty="0"/>
+              <a:t>の利用は不可避</a:t>
+            </a:r>
+          </a:p>
+        </p:txBody>
+      </p:sp>
+      <p:sp>
+        <p:nvSpPr>
+          <p:cNvPr id="3" name="スライド番号プレースホルダー 2">
+            <a:extLst>
+              <a:ext uri="{FF2B5EF4-FFF2-40B4-BE49-F238E27FC236}">
+                <a16:creationId xmlns:a16="http://schemas.microsoft.com/office/drawing/2014/main" id="{177D8867-5DFD-5B90-CA0E-6D89FA103660}"/>
+              </a:ext>
+            </a:extLst>
+          </p:cNvPr>
+          <p:cNvSpPr>
+            <a:spLocks noGrp="1"/>
+          </p:cNvSpPr>
+          <p:nvPr>
+            <p:ph type="sldNum" sz="quarter" idx="10"/>
+          </p:nvPr>
+        </p:nvSpPr>
+        <p:spPr/>
+        <p:txBody>
+          <a:bodyPr/>
+          <a:lstStyle/>
+          <a:p>
+            <a:fld id="{E812CB10-3A5E-460C-99D5-7B0F994A8700}" type="slidenum">
+              <a:rPr lang="ja-JP" altLang="en-US" smtClean="0"/>
+              <a:pPr/>
+              <a:t>3</a:t>
+            </a:fld>
+            <a:endParaRPr lang="ja-JP" altLang="en-US"/>
+          </a:p>
+        </p:txBody>
+      </p:sp>
+      <p:sp>
+        <p:nvSpPr>
+          <p:cNvPr id="4" name="テキスト プレースホルダー 3">
+            <a:extLst>
+              <a:ext uri="{FF2B5EF4-FFF2-40B4-BE49-F238E27FC236}">
+                <a16:creationId xmlns:a16="http://schemas.microsoft.com/office/drawing/2014/main" id="{EFB86122-C607-47DD-4268-4216886841D6}"/>
+              </a:ext>
+            </a:extLst>
+          </p:cNvPr>
+          <p:cNvSpPr>
+            <a:spLocks noGrp="1"/>
+          </p:cNvSpPr>
+          <p:nvPr>
+            <p:ph type="body" sz="quarter" idx="16"/>
+          </p:nvPr>
+        </p:nvSpPr>
+        <p:spPr/>
+        <p:txBody>
+          <a:bodyPr/>
+          <a:lstStyle/>
+          <a:p>
+            <a:r>
+              <a:rPr lang="ja-JP" altLang="en-US" dirty="0"/>
+              <a:t>背景 ・ </a:t>
+            </a:r>
+            <a:r>
+              <a:rPr lang="en-US" altLang="ja-JP" dirty="0"/>
+              <a:t>Society5.0</a:t>
+            </a:r>
+            <a:endParaRPr kumimoji="1" lang="ja-JP" altLang="en-US" dirty="0"/>
+          </a:p>
+        </p:txBody>
+      </p:sp>
+      <p:sp>
+        <p:nvSpPr>
+          <p:cNvPr id="5" name="コンテンツ プレースホルダー 4">
+            <a:extLst>
+              <a:ext uri="{FF2B5EF4-FFF2-40B4-BE49-F238E27FC236}">
+                <a16:creationId xmlns:a16="http://schemas.microsoft.com/office/drawing/2014/main" id="{8FC44598-9BC6-EF6A-881C-AC73DCADA478}"/>
+              </a:ext>
+            </a:extLst>
+          </p:cNvPr>
+          <p:cNvSpPr>
+            <a:spLocks noGrp="1"/>
+          </p:cNvSpPr>
+          <p:nvPr>
+            <p:ph sz="quarter" idx="17"/>
+          </p:nvPr>
+        </p:nvSpPr>
+        <p:spPr/>
+        <p:txBody>
+          <a:bodyPr/>
+          <a:lstStyle/>
+          <a:p>
+            <a:r>
+              <a:rPr kumimoji="1" lang="ja-JP" altLang="en-US" dirty="0"/>
+              <a:t>生成</a:t>
+            </a:r>
+            <a:r>
+              <a:rPr kumimoji="1" lang="en-US" altLang="ja-JP" dirty="0"/>
+              <a:t>AI</a:t>
+            </a:r>
+            <a:endParaRPr kumimoji="1" lang="ja-JP" altLang="en-US" dirty="0"/>
+          </a:p>
+        </p:txBody>
+      </p:sp>
+      <p:sp>
+        <p:nvSpPr>
+          <p:cNvPr id="6" name="コンテンツ プレースホルダー 5">
+            <a:extLst>
+              <a:ext uri="{FF2B5EF4-FFF2-40B4-BE49-F238E27FC236}">
+                <a16:creationId xmlns:a16="http://schemas.microsoft.com/office/drawing/2014/main" id="{F1B0CEF9-3BFC-A62F-987D-3BE21C89B261}"/>
+              </a:ext>
+            </a:extLst>
+          </p:cNvPr>
+          <p:cNvSpPr>
+            <a:spLocks noGrp="1"/>
+          </p:cNvSpPr>
+          <p:nvPr>
+            <p:ph sz="quarter" idx="18"/>
+          </p:nvPr>
+        </p:nvSpPr>
+        <p:spPr>
+          <a:xfrm>
+            <a:off x="438165" y="1928923"/>
+            <a:ext cx="4395788" cy="1160508"/>
+          </a:xfrm>
+        </p:spPr>
+        <p:txBody>
+          <a:bodyPr/>
+          <a:lstStyle/>
+          <a:p>
+            <a:r>
+              <a:rPr kumimoji="1" lang="ja-JP" altLang="en-US" dirty="0"/>
+              <a:t>あ</a:t>
+            </a:r>
+          </a:p>
+        </p:txBody>
+      </p:sp>
+      <p:sp>
+        <p:nvSpPr>
+          <p:cNvPr id="7" name="コンテンツ プレースホルダー 6">
+            <a:extLst>
+              <a:ext uri="{FF2B5EF4-FFF2-40B4-BE49-F238E27FC236}">
+                <a16:creationId xmlns:a16="http://schemas.microsoft.com/office/drawing/2014/main" id="{5F2B5978-EAA1-06C2-B50B-E5D31E6964F3}"/>
+              </a:ext>
+            </a:extLst>
+          </p:cNvPr>
+          <p:cNvSpPr>
+            <a:spLocks noGrp="1"/>
+          </p:cNvSpPr>
+          <p:nvPr>
+            <p:ph sz="quarter" idx="19"/>
+          </p:nvPr>
+        </p:nvSpPr>
+        <p:spPr/>
+        <p:txBody>
+          <a:bodyPr/>
+          <a:lstStyle/>
+          <a:p>
+            <a:endParaRPr kumimoji="1" lang="ja-JP" altLang="en-US" dirty="0"/>
+          </a:p>
+        </p:txBody>
+      </p:sp>
+      <p:sp>
+        <p:nvSpPr>
+          <p:cNvPr id="8" name="コンテンツ プレースホルダー 7">
+            <a:extLst>
+              <a:ext uri="{FF2B5EF4-FFF2-40B4-BE49-F238E27FC236}">
+                <a16:creationId xmlns:a16="http://schemas.microsoft.com/office/drawing/2014/main" id="{47137AD2-C6DD-711F-15EF-AC542BE522C7}"/>
+              </a:ext>
+            </a:extLst>
+          </p:cNvPr>
+          <p:cNvSpPr>
+            <a:spLocks noGrp="1"/>
+          </p:cNvSpPr>
+          <p:nvPr>
+            <p:ph sz="quarter" idx="20"/>
+          </p:nvPr>
+        </p:nvSpPr>
+        <p:spPr/>
+        <p:txBody>
+          <a:bodyPr/>
+          <a:lstStyle/>
+          <a:p>
+            <a:endParaRPr kumimoji="1" lang="ja-JP" altLang="en-US"/>
+          </a:p>
+        </p:txBody>
+      </p:sp>
+      <p:sp>
+        <p:nvSpPr>
+          <p:cNvPr id="9" name="コンテンツ プレースホルダー 8">
+            <a:extLst>
+              <a:ext uri="{FF2B5EF4-FFF2-40B4-BE49-F238E27FC236}">
+                <a16:creationId xmlns:a16="http://schemas.microsoft.com/office/drawing/2014/main" id="{B3EF8BB9-2289-3E29-9631-D727BA92A498}"/>
+              </a:ext>
+            </a:extLst>
+          </p:cNvPr>
+          <p:cNvSpPr>
+            <a:spLocks noGrp="1"/>
+          </p:cNvSpPr>
+          <p:nvPr>
+            <p:ph sz="quarter" idx="21"/>
+          </p:nvPr>
+        </p:nvSpPr>
+        <p:spPr/>
+        <p:txBody>
+          <a:bodyPr/>
+          <a:lstStyle/>
+          <a:p>
+            <a:endParaRPr kumimoji="1" lang="ja-JP" altLang="en-US"/>
+          </a:p>
+        </p:txBody>
+      </p:sp>
+      <p:sp>
+        <p:nvSpPr>
+          <p:cNvPr id="10" name="コンテンツ プレースホルダー 9">
+            <a:extLst>
+              <a:ext uri="{FF2B5EF4-FFF2-40B4-BE49-F238E27FC236}">
+                <a16:creationId xmlns:a16="http://schemas.microsoft.com/office/drawing/2014/main" id="{E82F3D70-6F7D-A0F2-E0C5-B0451C0EBBE0}"/>
+              </a:ext>
+            </a:extLst>
+          </p:cNvPr>
+          <p:cNvSpPr>
+            <a:spLocks noGrp="1"/>
+          </p:cNvSpPr>
+          <p:nvPr>
+            <p:ph sz="quarter" idx="22"/>
+          </p:nvPr>
+        </p:nvSpPr>
+        <p:spPr/>
+        <p:txBody>
+          <a:bodyPr/>
+          <a:lstStyle/>
+          <a:p>
+            <a:endParaRPr kumimoji="1" lang="ja-JP" altLang="en-US"/>
+          </a:p>
+        </p:txBody>
+      </p:sp>
+    </p:spTree>
+    <p:extLst>
+      <p:ext uri="{BB962C8B-B14F-4D97-AF65-F5344CB8AC3E}">
+        <p14:creationId xmlns:p14="http://schemas.microsoft.com/office/powerpoint/2010/main" val="3326471482"/>
+      </p:ext>
+    </p:extLst>
+  </p:cSld>
+  <p:clrMapOvr>
+    <a:masterClrMapping/>
+  </p:clrMapOvr>
+</p:sld>
+</file>
+
+<file path=ppt/slides/slide4.xml><?xml version="1.0" encoding="utf-8"?>
+<p:sld xmlns:a="http://schemas.openxmlformats.org/drawingml/2006/main" xmlns:r="http://schemas.openxmlformats.org/officeDocument/2006/relationships" xmlns:p="http://schemas.openxmlformats.org/presentationml/2006/main">
+  <p:cSld>
+    <p:spTree>
+      <p:nvGrpSpPr>
+        <p:cNvPr id="1" name=""/>
+        <p:cNvGrpSpPr/>
+        <p:nvPr/>
+      </p:nvGrpSpPr>
+      <p:grpSpPr>
+        <a:xfrm>
+          <a:off x="0" y="0"/>
+          <a:ext cx="0" cy="0"/>
+          <a:chOff x="0" y="0"/>
+          <a:chExt cx="0" cy="0"/>
+        </a:xfrm>
+      </p:grpSpPr>
+      <p:sp>
+        <p:nvSpPr>
+          <p:cNvPr id="2" name="タイトル 1">
+            <a:extLst>
+              <a:ext uri="{FF2B5EF4-FFF2-40B4-BE49-F238E27FC236}">
+                <a16:creationId xmlns:a16="http://schemas.microsoft.com/office/drawing/2014/main" id="{FCC4A288-129A-AC98-7973-910F1664BD2C}"/>
+              </a:ext>
+            </a:extLst>
+          </p:cNvPr>
+          <p:cNvSpPr>
+            <a:spLocks noGrp="1"/>
+          </p:cNvSpPr>
+          <p:nvPr>
+            <p:ph type="title"/>
+          </p:nvPr>
+        </p:nvSpPr>
+        <p:spPr/>
+        <p:txBody>
+          <a:bodyPr/>
+          <a:lstStyle/>
+          <a:p>
+            <a:r>
+              <a:rPr kumimoji="1" lang="ja-JP" altLang="en-US" dirty="0"/>
+              <a:t>何故、タンジブルなのか？</a:t>
+            </a:r>
+          </a:p>
+        </p:txBody>
+      </p:sp>
+      <p:sp>
+        <p:nvSpPr>
+          <p:cNvPr id="3" name="スライド番号プレースホルダー 2">
+            <a:extLst>
+              <a:ext uri="{FF2B5EF4-FFF2-40B4-BE49-F238E27FC236}">
+                <a16:creationId xmlns:a16="http://schemas.microsoft.com/office/drawing/2014/main" id="{A7D00363-1D9B-C58F-03FC-6651D8A4CC0B}"/>
+              </a:ext>
+            </a:extLst>
+          </p:cNvPr>
+          <p:cNvSpPr>
+            <a:spLocks noGrp="1"/>
+          </p:cNvSpPr>
+          <p:nvPr>
+            <p:ph type="sldNum" sz="quarter" idx="10"/>
+          </p:nvPr>
+        </p:nvSpPr>
+        <p:spPr/>
+        <p:txBody>
+          <a:bodyPr/>
+          <a:lstStyle/>
+          <a:p>
+            <a:fld id="{E812CB10-3A5E-460C-99D5-7B0F994A8700}" type="slidenum">
+              <a:rPr lang="ja-JP" altLang="en-US" smtClean="0"/>
+              <a:pPr/>
+              <a:t>4</a:t>
+            </a:fld>
+            <a:endParaRPr lang="ja-JP" altLang="en-US"/>
+          </a:p>
+        </p:txBody>
+      </p:sp>
+      <p:sp>
+        <p:nvSpPr>
+          <p:cNvPr id="4" name="テキスト プレースホルダー 3">
+            <a:extLst>
+              <a:ext uri="{FF2B5EF4-FFF2-40B4-BE49-F238E27FC236}">
+                <a16:creationId xmlns:a16="http://schemas.microsoft.com/office/drawing/2014/main" id="{10B182A9-01F4-2775-7723-E93DFFC94B87}"/>
+              </a:ext>
+            </a:extLst>
+          </p:cNvPr>
+          <p:cNvSpPr>
+            <a:spLocks noGrp="1"/>
+          </p:cNvSpPr>
+          <p:nvPr>
+            <p:ph type="body" sz="quarter" idx="16"/>
+          </p:nvPr>
+        </p:nvSpPr>
+        <p:spPr/>
+        <p:txBody>
+          <a:bodyPr/>
+          <a:lstStyle/>
+          <a:p>
+            <a:endParaRPr kumimoji="1" lang="ja-JP" altLang="en-US" dirty="0"/>
+          </a:p>
+        </p:txBody>
+      </p:sp>
+      <p:sp>
+        <p:nvSpPr>
+          <p:cNvPr id="5" name="コンテンツ プレースホルダー 4">
+            <a:extLst>
+              <a:ext uri="{FF2B5EF4-FFF2-40B4-BE49-F238E27FC236}">
+                <a16:creationId xmlns:a16="http://schemas.microsoft.com/office/drawing/2014/main" id="{F3C35504-59AF-1DF6-072E-DE8C4D99C618}"/>
+              </a:ext>
+            </a:extLst>
+          </p:cNvPr>
+          <p:cNvSpPr>
+            <a:spLocks noGrp="1"/>
+          </p:cNvSpPr>
+          <p:nvPr>
+            <p:ph sz="quarter" idx="17"/>
+          </p:nvPr>
+        </p:nvSpPr>
+        <p:spPr/>
+        <p:txBody>
+          <a:bodyPr/>
+          <a:lstStyle/>
+          <a:p>
+            <a:r>
+              <a:rPr kumimoji="1" lang="ja-JP" altLang="en-US" dirty="0"/>
+              <a:t>タンジブル</a:t>
+            </a:r>
+          </a:p>
+        </p:txBody>
+      </p:sp>
+      <p:sp>
+        <p:nvSpPr>
+          <p:cNvPr id="6" name="コンテンツ プレースホルダー 5">
+            <a:extLst>
+              <a:ext uri="{FF2B5EF4-FFF2-40B4-BE49-F238E27FC236}">
+                <a16:creationId xmlns:a16="http://schemas.microsoft.com/office/drawing/2014/main" id="{39C4D90D-CACE-BB85-2EDE-715DB1D6B539}"/>
+              </a:ext>
+            </a:extLst>
+          </p:cNvPr>
+          <p:cNvSpPr>
+            <a:spLocks noGrp="1"/>
+          </p:cNvSpPr>
+          <p:nvPr>
+            <p:ph sz="quarter" idx="18"/>
+          </p:nvPr>
+        </p:nvSpPr>
+        <p:spPr/>
+        <p:txBody>
+          <a:bodyPr/>
+          <a:lstStyle/>
+          <a:p>
+            <a:r>
+              <a:rPr kumimoji="1" lang="ja-JP" altLang="en-US" dirty="0"/>
+              <a:t>あ</a:t>
+            </a:r>
+          </a:p>
+        </p:txBody>
+      </p:sp>
+      <p:sp>
+        <p:nvSpPr>
+          <p:cNvPr id="7" name="コンテンツ プレースホルダー 6">
+            <a:extLst>
+              <a:ext uri="{FF2B5EF4-FFF2-40B4-BE49-F238E27FC236}">
+                <a16:creationId xmlns:a16="http://schemas.microsoft.com/office/drawing/2014/main" id="{1DD3C078-B204-3444-984C-644426B4AAB1}"/>
+              </a:ext>
+            </a:extLst>
+          </p:cNvPr>
+          <p:cNvSpPr>
+            <a:spLocks noGrp="1"/>
+          </p:cNvSpPr>
+          <p:nvPr>
+            <p:ph sz="quarter" idx="19"/>
+          </p:nvPr>
+        </p:nvSpPr>
+        <p:spPr/>
+        <p:txBody>
+          <a:bodyPr/>
+          <a:lstStyle/>
+          <a:p>
+            <a:r>
+              <a:rPr lang="ja-JP" altLang="en-US" dirty="0"/>
+              <a:t>い</a:t>
+            </a:r>
+            <a:endParaRPr kumimoji="1" lang="ja-JP" altLang="en-US" dirty="0"/>
+          </a:p>
+        </p:txBody>
+      </p:sp>
+      <p:sp>
+        <p:nvSpPr>
+          <p:cNvPr id="8" name="コンテンツ プレースホルダー 7">
+            <a:extLst>
+              <a:ext uri="{FF2B5EF4-FFF2-40B4-BE49-F238E27FC236}">
+                <a16:creationId xmlns:a16="http://schemas.microsoft.com/office/drawing/2014/main" id="{7EBB6578-C886-3CF7-6222-76A85F1F33EB}"/>
+              </a:ext>
+            </a:extLst>
+          </p:cNvPr>
+          <p:cNvSpPr>
+            <a:spLocks noGrp="1"/>
+          </p:cNvSpPr>
+          <p:nvPr>
+            <p:ph sz="quarter" idx="20"/>
+          </p:nvPr>
+        </p:nvSpPr>
+        <p:spPr/>
+        <p:txBody>
+          <a:bodyPr/>
+          <a:lstStyle/>
+          <a:p>
+            <a:r>
+              <a:rPr kumimoji="1" lang="ja-JP" altLang="en-US" dirty="0"/>
+              <a:t>う</a:t>
+            </a:r>
+          </a:p>
+        </p:txBody>
+      </p:sp>
+      <p:sp>
+        <p:nvSpPr>
+          <p:cNvPr id="9" name="コンテンツ プレースホルダー 8">
+            <a:extLst>
+              <a:ext uri="{FF2B5EF4-FFF2-40B4-BE49-F238E27FC236}">
+                <a16:creationId xmlns:a16="http://schemas.microsoft.com/office/drawing/2014/main" id="{E44B627E-DD27-2378-723E-844B1B87AD25}"/>
+              </a:ext>
+            </a:extLst>
+          </p:cNvPr>
+          <p:cNvSpPr>
+            <a:spLocks noGrp="1"/>
+          </p:cNvSpPr>
+          <p:nvPr>
+            <p:ph sz="quarter" idx="21"/>
+          </p:nvPr>
+        </p:nvSpPr>
+        <p:spPr/>
+        <p:txBody>
+          <a:bodyPr/>
+          <a:lstStyle/>
+          <a:p>
+            <a:r>
+              <a:rPr kumimoji="1" lang="ja-JP" altLang="en-US" dirty="0"/>
+              <a:t>え</a:t>
+            </a:r>
+          </a:p>
+        </p:txBody>
+      </p:sp>
+      <p:sp>
+        <p:nvSpPr>
+          <p:cNvPr id="10" name="コンテンツ プレースホルダー 9">
+            <a:extLst>
+              <a:ext uri="{FF2B5EF4-FFF2-40B4-BE49-F238E27FC236}">
+                <a16:creationId xmlns:a16="http://schemas.microsoft.com/office/drawing/2014/main" id="{FADE4ACA-039E-1C4E-956C-E7F193B5066F}"/>
+              </a:ext>
+            </a:extLst>
+          </p:cNvPr>
+          <p:cNvSpPr>
+            <a:spLocks noGrp="1"/>
+          </p:cNvSpPr>
+          <p:nvPr>
+            <p:ph sz="quarter" idx="22"/>
+          </p:nvPr>
+        </p:nvSpPr>
+        <p:spPr/>
+        <p:txBody>
+          <a:bodyPr/>
+          <a:lstStyle/>
+          <a:p>
+            <a:r>
+              <a:rPr kumimoji="1" lang="ja-JP" altLang="en-US" dirty="0"/>
+              <a:t>お</a:t>
+            </a:r>
+          </a:p>
+        </p:txBody>
+      </p:sp>
+    </p:spTree>
+    <p:extLst>
+      <p:ext uri="{BB962C8B-B14F-4D97-AF65-F5344CB8AC3E}">
+        <p14:creationId xmlns:p14="http://schemas.microsoft.com/office/powerpoint/2010/main" val="3085611792"/>
+      </p:ext>
+    </p:extLst>
+  </p:cSld>
+  <p:clrMapOvr>
+    <a:masterClrMapping/>
+  </p:clrMapOvr>
+</p:sld>
+</file>
+
+<file path=ppt/slides/slide5.xml><?xml version="1.0" encoding="utf-8"?>
+<p:sld xmlns:a="http://schemas.openxmlformats.org/drawingml/2006/main" xmlns:r="http://schemas.openxmlformats.org/officeDocument/2006/relationships" xmlns:p="http://schemas.openxmlformats.org/presentationml/2006/main">
+  <p:cSld>
+    <p:spTree>
+      <p:nvGrpSpPr>
+        <p:cNvPr id="1" name=""/>
+        <p:cNvGrpSpPr/>
+        <p:nvPr/>
+      </p:nvGrpSpPr>
+      <p:grpSpPr>
+        <a:xfrm>
+          <a:off x="0" y="0"/>
+          <a:ext cx="0" cy="0"/>
+          <a:chOff x="0" y="0"/>
+          <a:chExt cx="0" cy="0"/>
+        </a:xfrm>
+      </p:grpSpPr>
+      <p:sp>
+        <p:nvSpPr>
+          <p:cNvPr id="2" name="タイトル 1">
+            <a:extLst>
+              <a:ext uri="{FF2B5EF4-FFF2-40B4-BE49-F238E27FC236}">
+                <a16:creationId xmlns:a16="http://schemas.microsoft.com/office/drawing/2014/main" id="{F1FA576A-392D-8D4D-18EE-221909E04D4B}"/>
+              </a:ext>
+            </a:extLst>
+          </p:cNvPr>
+          <p:cNvSpPr>
+            <a:spLocks noGrp="1"/>
+          </p:cNvSpPr>
+          <p:nvPr>
+            <p:ph type="title"/>
+          </p:nvPr>
+        </p:nvSpPr>
+        <p:spPr/>
+        <p:txBody>
+          <a:bodyPr/>
+          <a:lstStyle/>
+          <a:p>
+            <a:endParaRPr kumimoji="1" lang="ja-JP" altLang="en-US" dirty="0"/>
+          </a:p>
+        </p:txBody>
+      </p:sp>
+      <p:sp>
+        <p:nvSpPr>
+          <p:cNvPr id="3" name="スライド番号プレースホルダー 2">
+            <a:extLst>
+              <a:ext uri="{FF2B5EF4-FFF2-40B4-BE49-F238E27FC236}">
+                <a16:creationId xmlns:a16="http://schemas.microsoft.com/office/drawing/2014/main" id="{86EE87E3-E700-8F31-424A-28D8E3FC5F60}"/>
+              </a:ext>
+            </a:extLst>
+          </p:cNvPr>
+          <p:cNvSpPr>
+            <a:spLocks noGrp="1"/>
+          </p:cNvSpPr>
+          <p:nvPr>
+            <p:ph type="sldNum" sz="quarter" idx="10"/>
+          </p:nvPr>
+        </p:nvSpPr>
+        <p:spPr/>
+        <p:txBody>
+          <a:bodyPr/>
+          <a:lstStyle/>
+          <a:p>
+            <a:fld id="{E812CB10-3A5E-460C-99D5-7B0F994A8700}" type="slidenum">
+              <a:rPr lang="ja-JP" altLang="en-US" smtClean="0"/>
+              <a:pPr/>
+              <a:t>5</a:t>
+            </a:fld>
+            <a:endParaRPr lang="ja-JP" altLang="en-US"/>
+          </a:p>
+        </p:txBody>
+      </p:sp>
+      <p:sp>
+        <p:nvSpPr>
+          <p:cNvPr id="4" name="テキスト プレースホルダー 3">
+            <a:extLst>
+              <a:ext uri="{FF2B5EF4-FFF2-40B4-BE49-F238E27FC236}">
+                <a16:creationId xmlns:a16="http://schemas.microsoft.com/office/drawing/2014/main" id="{0267BEED-6247-B00D-A12E-6A82872070D6}"/>
+              </a:ext>
+            </a:extLst>
+          </p:cNvPr>
+          <p:cNvSpPr>
+            <a:spLocks noGrp="1"/>
+          </p:cNvSpPr>
+          <p:nvPr>
+            <p:ph type="body" sz="quarter" idx="11"/>
+          </p:nvPr>
+        </p:nvSpPr>
+        <p:spPr/>
+        <p:txBody>
+          <a:bodyPr/>
+          <a:lstStyle/>
+          <a:p>
+            <a:endParaRPr kumimoji="1" lang="ja-JP" altLang="en-US"/>
+          </a:p>
+        </p:txBody>
+      </p:sp>
+      <p:sp>
+        <p:nvSpPr>
+          <p:cNvPr id="5" name="コンテンツ プレースホルダー 4">
+            <a:extLst>
+              <a:ext uri="{FF2B5EF4-FFF2-40B4-BE49-F238E27FC236}">
+                <a16:creationId xmlns:a16="http://schemas.microsoft.com/office/drawing/2014/main" id="{420B99C9-EE79-AB8B-058C-20F07212F4E0}"/>
+              </a:ext>
+            </a:extLst>
+          </p:cNvPr>
+          <p:cNvSpPr>
+            <a:spLocks noGrp="1"/>
+          </p:cNvSpPr>
+          <p:nvPr>
+            <p:ph sz="quarter" idx="25"/>
+          </p:nvPr>
+        </p:nvSpPr>
+        <p:spPr/>
+        <p:txBody>
+          <a:bodyPr/>
+          <a:lstStyle/>
+          <a:p>
+            <a:endParaRPr kumimoji="1" lang="ja-JP" altLang="en-US"/>
+          </a:p>
+        </p:txBody>
+      </p:sp>
+      <p:sp>
+        <p:nvSpPr>
+          <p:cNvPr id="6" name="コンテンツ プレースホルダー 5">
+            <a:extLst>
+              <a:ext uri="{FF2B5EF4-FFF2-40B4-BE49-F238E27FC236}">
+                <a16:creationId xmlns:a16="http://schemas.microsoft.com/office/drawing/2014/main" id="{1D6842AF-BC87-8720-2F18-31C22EB1F9F1}"/>
+              </a:ext>
+            </a:extLst>
+          </p:cNvPr>
+          <p:cNvSpPr>
+            <a:spLocks noGrp="1"/>
+          </p:cNvSpPr>
+          <p:nvPr>
+            <p:ph sz="quarter" idx="26"/>
+          </p:nvPr>
+        </p:nvSpPr>
+        <p:spPr/>
+        <p:txBody>
+          <a:bodyPr/>
+          <a:lstStyle/>
+          <a:p>
+            <a:endParaRPr kumimoji="1" lang="ja-JP" altLang="en-US"/>
+          </a:p>
+        </p:txBody>
+      </p:sp>
+      <p:sp>
+        <p:nvSpPr>
+          <p:cNvPr id="7" name="コンテンツ プレースホルダー 6">
+            <a:extLst>
+              <a:ext uri="{FF2B5EF4-FFF2-40B4-BE49-F238E27FC236}">
+                <a16:creationId xmlns:a16="http://schemas.microsoft.com/office/drawing/2014/main" id="{DEAC34BC-C5E8-2461-F293-A20E97AB780A}"/>
+              </a:ext>
+            </a:extLst>
+          </p:cNvPr>
+          <p:cNvSpPr>
+            <a:spLocks noGrp="1"/>
+          </p:cNvSpPr>
+          <p:nvPr>
+            <p:ph sz="quarter" idx="17"/>
+          </p:nvPr>
+        </p:nvSpPr>
+        <p:spPr/>
+        <p:txBody>
+          <a:bodyPr/>
+          <a:lstStyle/>
+          <a:p>
+            <a:r>
+              <a:rPr kumimoji="1" lang="ja-JP" altLang="en-US" dirty="0"/>
+              <a:t>ｇ</a:t>
+            </a:r>
+          </a:p>
+        </p:txBody>
+      </p:sp>
+      <p:sp>
+        <p:nvSpPr>
+          <p:cNvPr id="8" name="コンテンツ プレースホルダー 7">
+            <a:extLst>
+              <a:ext uri="{FF2B5EF4-FFF2-40B4-BE49-F238E27FC236}">
+                <a16:creationId xmlns:a16="http://schemas.microsoft.com/office/drawing/2014/main" id="{F4F76855-2FDA-F3BC-47C5-287D6EDF8B9E}"/>
+              </a:ext>
+            </a:extLst>
+          </p:cNvPr>
+          <p:cNvSpPr>
+            <a:spLocks noGrp="1"/>
+          </p:cNvSpPr>
+          <p:nvPr>
+            <p:ph sz="quarter" idx="24"/>
+          </p:nvPr>
+        </p:nvSpPr>
+        <p:spPr/>
+        <p:txBody>
+          <a:bodyPr/>
+          <a:lstStyle/>
+          <a:p>
+            <a:r>
+              <a:rPr kumimoji="1" lang="en-US" altLang="ja-JP" dirty="0"/>
+              <a:t>g</a:t>
+            </a:r>
+            <a:endParaRPr kumimoji="1" lang="ja-JP" altLang="en-US" dirty="0"/>
+          </a:p>
+        </p:txBody>
+      </p:sp>
+      <p:sp>
+        <p:nvSpPr>
+          <p:cNvPr id="9" name="コンテンツ プレースホルダー 8">
+            <a:extLst>
+              <a:ext uri="{FF2B5EF4-FFF2-40B4-BE49-F238E27FC236}">
+                <a16:creationId xmlns:a16="http://schemas.microsoft.com/office/drawing/2014/main" id="{5E71EE74-FEF1-176A-D050-F0E378433E4A}"/>
+              </a:ext>
+            </a:extLst>
+          </p:cNvPr>
+          <p:cNvSpPr>
+            <a:spLocks noGrp="1"/>
+          </p:cNvSpPr>
+          <p:nvPr>
+            <p:ph sz="quarter" idx="27"/>
+          </p:nvPr>
+        </p:nvSpPr>
+        <p:spPr/>
+        <p:txBody>
+          <a:bodyPr/>
+          <a:lstStyle/>
+          <a:p>
+            <a:endParaRPr kumimoji="1" lang="ja-JP" altLang="en-US"/>
+          </a:p>
+        </p:txBody>
+      </p:sp>
+      <p:sp>
+        <p:nvSpPr>
+          <p:cNvPr id="10" name="コンテンツ プレースホルダー 9">
+            <a:extLst>
+              <a:ext uri="{FF2B5EF4-FFF2-40B4-BE49-F238E27FC236}">
+                <a16:creationId xmlns:a16="http://schemas.microsoft.com/office/drawing/2014/main" id="{5304C6DD-B7DF-3F17-56DB-7A264DE8364C}"/>
+              </a:ext>
+            </a:extLst>
+          </p:cNvPr>
+          <p:cNvSpPr>
+            <a:spLocks noGrp="1"/>
+          </p:cNvSpPr>
+          <p:nvPr>
+            <p:ph sz="quarter" idx="28"/>
+          </p:nvPr>
+        </p:nvSpPr>
+        <p:spPr/>
+        <p:txBody>
+          <a:bodyPr/>
+          <a:lstStyle/>
+          <a:p>
+            <a:endParaRPr kumimoji="1" lang="ja-JP" altLang="en-US"/>
+          </a:p>
+        </p:txBody>
+      </p:sp>
+    </p:spTree>
+    <p:extLst>
+      <p:ext uri="{BB962C8B-B14F-4D97-AF65-F5344CB8AC3E}">
+        <p14:creationId xmlns:p14="http://schemas.microsoft.com/office/powerpoint/2010/main" val="867616885"/>
+      </p:ext>
+    </p:extLst>
+  </p:cSld>
+  <p:clrMapOvr>
+    <a:masterClrMapping/>
+  </p:clrMapOvr>
+</p:sld>
+</file>
+
+<file path=ppt/slides/slide6.xml><?xml version="1.0" encoding="utf-8"?>
+<p:sld xmlns:a="http://schemas.openxmlformats.org/drawingml/2006/main" xmlns:r="http://schemas.openxmlformats.org/officeDocument/2006/relationships" xmlns:p="http://schemas.openxmlformats.org/presentationml/2006/main">
+  <p:cSld>
+    <p:spTree>
+      <p:nvGrpSpPr>
+        <p:cNvPr id="1" name=""/>
+        <p:cNvGrpSpPr/>
+        <p:nvPr/>
+      </p:nvGrpSpPr>
+      <p:grpSpPr>
+        <a:xfrm>
+          <a:off x="0" y="0"/>
+          <a:ext cx="0" cy="0"/>
+          <a:chOff x="0" y="0"/>
+          <a:chExt cx="0" cy="0"/>
+        </a:xfrm>
+      </p:grpSpPr>
+      <p:sp>
+        <p:nvSpPr>
+          <p:cNvPr id="2" name="タイトル 1">
+            <a:extLst>
+              <a:ext uri="{FF2B5EF4-FFF2-40B4-BE49-F238E27FC236}">
+                <a16:creationId xmlns:a16="http://schemas.microsoft.com/office/drawing/2014/main" id="{3C0F8B3E-A658-98E4-7000-4C16C2A5F522}"/>
+              </a:ext>
+            </a:extLst>
+          </p:cNvPr>
+          <p:cNvSpPr>
+            <a:spLocks noGrp="1"/>
+          </p:cNvSpPr>
+          <p:nvPr>
+            <p:ph type="title"/>
+          </p:nvPr>
+        </p:nvSpPr>
+        <p:spPr/>
+        <p:txBody>
+          <a:bodyPr/>
+          <a:lstStyle/>
+          <a:p>
+            <a:endParaRPr kumimoji="1" lang="ja-JP" altLang="en-US" dirty="0"/>
+          </a:p>
+        </p:txBody>
+      </p:sp>
+      <p:sp>
+        <p:nvSpPr>
+          <p:cNvPr id="3" name="スライド番号プレースホルダー 2">
+            <a:extLst>
+              <a:ext uri="{FF2B5EF4-FFF2-40B4-BE49-F238E27FC236}">
+                <a16:creationId xmlns:a16="http://schemas.microsoft.com/office/drawing/2014/main" id="{3E2BD8AC-987E-D57C-4869-51943D98D7D6}"/>
+              </a:ext>
+            </a:extLst>
+          </p:cNvPr>
+          <p:cNvSpPr>
+            <a:spLocks noGrp="1"/>
+          </p:cNvSpPr>
+          <p:nvPr>
+            <p:ph type="sldNum" sz="quarter" idx="10"/>
+          </p:nvPr>
+        </p:nvSpPr>
+        <p:spPr/>
+        <p:txBody>
+          <a:bodyPr/>
+          <a:lstStyle/>
+          <a:p>
+            <a:fld id="{E812CB10-3A5E-460C-99D5-7B0F994A8700}" type="slidenum">
+              <a:rPr lang="ja-JP" altLang="en-US" smtClean="0"/>
+              <a:pPr/>
+              <a:t>6</a:t>
+            </a:fld>
+            <a:endParaRPr lang="ja-JP" altLang="en-US"/>
+          </a:p>
+        </p:txBody>
+      </p:sp>
+      <p:sp>
+        <p:nvSpPr>
+          <p:cNvPr id="4" name="テキスト プレースホルダー 3">
+            <a:extLst>
+              <a:ext uri="{FF2B5EF4-FFF2-40B4-BE49-F238E27FC236}">
+                <a16:creationId xmlns:a16="http://schemas.microsoft.com/office/drawing/2014/main" id="{2717574B-1A9E-D239-0B0D-C48852EF712C}"/>
+              </a:ext>
+            </a:extLst>
+          </p:cNvPr>
+          <p:cNvSpPr>
+            <a:spLocks noGrp="1"/>
+          </p:cNvSpPr>
+          <p:nvPr>
+            <p:ph type="body" sz="quarter" idx="11"/>
+          </p:nvPr>
+        </p:nvSpPr>
+        <p:spPr/>
+        <p:txBody>
+          <a:bodyPr/>
+          <a:lstStyle/>
+          <a:p>
+            <a:endParaRPr kumimoji="1" lang="ja-JP" altLang="en-US"/>
+          </a:p>
+        </p:txBody>
+      </p:sp>
+      <p:sp>
+        <p:nvSpPr>
+          <p:cNvPr id="5" name="コンテンツ プレースホルダー 4">
+            <a:extLst>
+              <a:ext uri="{FF2B5EF4-FFF2-40B4-BE49-F238E27FC236}">
+                <a16:creationId xmlns:a16="http://schemas.microsoft.com/office/drawing/2014/main" id="{8A543A5B-8948-093C-DE2A-3A11CC95C73E}"/>
+              </a:ext>
+            </a:extLst>
+          </p:cNvPr>
+          <p:cNvSpPr>
+            <a:spLocks noGrp="1"/>
+          </p:cNvSpPr>
+          <p:nvPr>
+            <p:ph sz="quarter" idx="25"/>
+          </p:nvPr>
+        </p:nvSpPr>
+        <p:spPr/>
+        <p:txBody>
+          <a:bodyPr/>
+          <a:lstStyle/>
+          <a:p>
+            <a:endParaRPr kumimoji="1" lang="ja-JP" altLang="en-US"/>
+          </a:p>
+        </p:txBody>
+      </p:sp>
+      <p:sp>
+        <p:nvSpPr>
+          <p:cNvPr id="6" name="コンテンツ プレースホルダー 5">
+            <a:extLst>
+              <a:ext uri="{FF2B5EF4-FFF2-40B4-BE49-F238E27FC236}">
+                <a16:creationId xmlns:a16="http://schemas.microsoft.com/office/drawing/2014/main" id="{1E3C12D5-B910-46E0-F41A-837EA56545C6}"/>
+              </a:ext>
+            </a:extLst>
+          </p:cNvPr>
+          <p:cNvSpPr>
+            <a:spLocks noGrp="1"/>
+          </p:cNvSpPr>
+          <p:nvPr>
+            <p:ph sz="quarter" idx="26"/>
+          </p:nvPr>
+        </p:nvSpPr>
+        <p:spPr/>
+        <p:txBody>
+          <a:bodyPr/>
+          <a:lstStyle/>
+          <a:p>
+            <a:endParaRPr kumimoji="1" lang="ja-JP" altLang="en-US"/>
+          </a:p>
+        </p:txBody>
+      </p:sp>
+      <p:sp>
+        <p:nvSpPr>
+          <p:cNvPr id="7" name="コンテンツ プレースホルダー 6">
+            <a:extLst>
+              <a:ext uri="{FF2B5EF4-FFF2-40B4-BE49-F238E27FC236}">
+                <a16:creationId xmlns:a16="http://schemas.microsoft.com/office/drawing/2014/main" id="{C6A48351-8E99-4567-8272-4BE12201E04A}"/>
+              </a:ext>
+            </a:extLst>
+          </p:cNvPr>
+          <p:cNvSpPr>
+            <a:spLocks noGrp="1"/>
+          </p:cNvSpPr>
+          <p:nvPr>
+            <p:ph sz="quarter" idx="17"/>
+          </p:nvPr>
+        </p:nvSpPr>
+        <p:spPr/>
+        <p:txBody>
+          <a:bodyPr/>
+          <a:lstStyle/>
+          <a:p>
+            <a:endParaRPr kumimoji="1" lang="ja-JP" altLang="en-US"/>
+          </a:p>
+        </p:txBody>
+      </p:sp>
+      <p:sp>
+        <p:nvSpPr>
+          <p:cNvPr id="8" name="コンテンツ プレースホルダー 7">
+            <a:extLst>
+              <a:ext uri="{FF2B5EF4-FFF2-40B4-BE49-F238E27FC236}">
+                <a16:creationId xmlns:a16="http://schemas.microsoft.com/office/drawing/2014/main" id="{3C4C1D26-2B79-295B-DDA4-64CCB82DA41A}"/>
+              </a:ext>
+            </a:extLst>
+          </p:cNvPr>
+          <p:cNvSpPr>
+            <a:spLocks noGrp="1"/>
+          </p:cNvSpPr>
+          <p:nvPr>
+            <p:ph sz="quarter" idx="24"/>
+          </p:nvPr>
+        </p:nvSpPr>
+        <p:spPr/>
+        <p:txBody>
+          <a:bodyPr/>
+          <a:lstStyle/>
+          <a:p>
+            <a:endParaRPr kumimoji="1" lang="ja-JP" altLang="en-US"/>
+          </a:p>
+        </p:txBody>
+      </p:sp>
+      <p:sp>
+        <p:nvSpPr>
+          <p:cNvPr id="9" name="コンテンツ プレースホルダー 8">
+            <a:extLst>
+              <a:ext uri="{FF2B5EF4-FFF2-40B4-BE49-F238E27FC236}">
+                <a16:creationId xmlns:a16="http://schemas.microsoft.com/office/drawing/2014/main" id="{AABBEAAB-9617-6DCC-E9C6-E0B97A3EAEA6}"/>
+              </a:ext>
+            </a:extLst>
+          </p:cNvPr>
+          <p:cNvSpPr>
+            <a:spLocks noGrp="1"/>
+          </p:cNvSpPr>
+          <p:nvPr>
+            <p:ph sz="quarter" idx="27"/>
+          </p:nvPr>
+        </p:nvSpPr>
+        <p:spPr/>
+        <p:txBody>
+          <a:bodyPr/>
+          <a:lstStyle/>
+          <a:p>
+            <a:endParaRPr kumimoji="1" lang="ja-JP" altLang="en-US"/>
+          </a:p>
+        </p:txBody>
+      </p:sp>
+      <p:sp>
+        <p:nvSpPr>
+          <p:cNvPr id="10" name="コンテンツ プレースホルダー 9">
+            <a:extLst>
+              <a:ext uri="{FF2B5EF4-FFF2-40B4-BE49-F238E27FC236}">
+                <a16:creationId xmlns:a16="http://schemas.microsoft.com/office/drawing/2014/main" id="{D9B21C09-B1E5-C20C-1F8E-6785A3C2F6C0}"/>
+              </a:ext>
+            </a:extLst>
+          </p:cNvPr>
+          <p:cNvSpPr>
+            <a:spLocks noGrp="1"/>
+          </p:cNvSpPr>
+          <p:nvPr>
+            <p:ph sz="quarter" idx="28"/>
+          </p:nvPr>
+        </p:nvSpPr>
+        <p:spPr/>
+        <p:txBody>
+          <a:bodyPr/>
+          <a:lstStyle/>
+          <a:p>
+            <a:endParaRPr kumimoji="1" lang="ja-JP" altLang="en-US"/>
+          </a:p>
+        </p:txBody>
+      </p:sp>
+    </p:spTree>
+    <p:extLst>
+      <p:ext uri="{BB962C8B-B14F-4D97-AF65-F5344CB8AC3E}">
+        <p14:creationId xmlns:p14="http://schemas.microsoft.com/office/powerpoint/2010/main" val="227402953"/>
+      </p:ext>
+    </p:extLst>
+  </p:cSld>
+  <p:clrMapOvr>
+    <a:masterClrMapping/>
+  </p:clrMapOvr>
+</p:sld>
+</file>
+
+<file path=ppt/slides/slide7.xml><?xml version="1.0" encoding="utf-8"?>
+<p:sld xmlns:a="http://schemas.openxmlformats.org/drawingml/2006/main" xmlns:r="http://schemas.openxmlformats.org/officeDocument/2006/relationships" xmlns:p="http://schemas.openxmlformats.org/presentationml/2006/main">
+  <p:cSld>
+    <p:spTree>
+      <p:nvGrpSpPr>
+        <p:cNvPr id="1" name=""/>
+        <p:cNvGrpSpPr/>
+        <p:nvPr/>
+      </p:nvGrpSpPr>
+      <p:grpSpPr>
+        <a:xfrm>
+          <a:off x="0" y="0"/>
+          <a:ext cx="0" cy="0"/>
+          <a:chOff x="0" y="0"/>
+          <a:chExt cx="0" cy="0"/>
+        </a:xfrm>
+      </p:grpSpPr>
+      <p:sp>
+        <p:nvSpPr>
+          <p:cNvPr id="2" name="テキスト プレースホルダー 1">
+            <a:extLst>
+              <a:ext uri="{FF2B5EF4-FFF2-40B4-BE49-F238E27FC236}">
+                <a16:creationId xmlns:a16="http://schemas.microsoft.com/office/drawing/2014/main" id="{FD80ED5F-B861-757B-F07A-8A469017CCEE}"/>
+              </a:ext>
+            </a:extLst>
+          </p:cNvPr>
+          <p:cNvSpPr>
+            <a:spLocks noGrp="1"/>
+          </p:cNvSpPr>
+          <p:nvPr>
+            <p:ph type="body" sz="quarter" idx="10"/>
+          </p:nvPr>
+        </p:nvSpPr>
+        <p:spPr/>
+        <p:txBody>
+          <a:bodyPr/>
+          <a:lstStyle/>
+          <a:p>
+            <a:r>
+              <a:rPr kumimoji="1" lang="ja-JP" altLang="en-US" dirty="0"/>
+              <a:t>格言を書きます。</a:t>
+            </a:r>
+          </a:p>
+        </p:txBody>
+      </p:sp>
+      <p:sp>
+        <p:nvSpPr>
+          <p:cNvPr id="3" name="テキスト プレースホルダー 2">
+            <a:extLst>
+              <a:ext uri="{FF2B5EF4-FFF2-40B4-BE49-F238E27FC236}">
+                <a16:creationId xmlns:a16="http://schemas.microsoft.com/office/drawing/2014/main" id="{95F01EF5-B451-D558-4321-EC27C56BD7F2}"/>
+              </a:ext>
+            </a:extLst>
+          </p:cNvPr>
+          <p:cNvSpPr>
+            <a:spLocks noGrp="1"/>
+          </p:cNvSpPr>
+          <p:nvPr>
+            <p:ph type="body" sz="quarter" idx="11"/>
+          </p:nvPr>
+        </p:nvSpPr>
+        <p:spPr/>
+        <p:txBody>
+          <a:bodyPr/>
+          <a:lstStyle/>
+          <a:p>
+            <a:r>
+              <a:rPr kumimoji="1" lang="ja-JP" altLang="en-US" dirty="0"/>
+              <a:t>ビジョンとは私たちが実現したいもの</a:t>
+            </a:r>
+            <a:r>
+              <a:rPr lang="ja-JP" altLang="en-US" dirty="0"/>
+              <a:t>。</a:t>
+            </a:r>
+            <a:endParaRPr lang="en-US" altLang="ja-JP" dirty="0"/>
+          </a:p>
+          <a:p>
+            <a:r>
+              <a:rPr lang="ja-JP" altLang="en-US" dirty="0"/>
+              <a:t>そして価値観を体現するもの。</a:t>
+            </a:r>
+            <a:endParaRPr kumimoji="1" lang="en-US" altLang="ja-JP" dirty="0"/>
+          </a:p>
+        </p:txBody>
+      </p:sp>
+      <p:pic>
+        <p:nvPicPr>
+          <p:cNvPr id="4" name="図 3">
+            <a:extLst>
+              <a:ext uri="{FF2B5EF4-FFF2-40B4-BE49-F238E27FC236}">
+                <a16:creationId xmlns:a16="http://schemas.microsoft.com/office/drawing/2014/main" id="{B43E2028-9B4A-A3A5-0214-B2F43932DDDC}"/>
+              </a:ext>
+            </a:extLst>
+          </p:cNvPr>
+          <p:cNvPicPr>
+            <a:picLocks noChangeAspect="1"/>
+          </p:cNvPicPr>
+          <p:nvPr/>
+        </p:nvPicPr>
+        <p:blipFill>
+          <a:blip r:embed="rId2"/>
+          <a:stretch>
+            <a:fillRect/>
+          </a:stretch>
+        </p:blipFill>
+        <p:spPr>
+          <a:xfrm>
+            <a:off x="7358183" y="1154784"/>
+            <a:ext cx="3839111" cy="5010849"/>
+          </a:xfrm>
+          <a:prstGeom prst="rect">
+            <a:avLst/>
+          </a:prstGeom>
+        </p:spPr>
+      </p:pic>
+    </p:spTree>
+    <p:extLst>
+      <p:ext uri="{BB962C8B-B14F-4D97-AF65-F5344CB8AC3E}">
+        <p14:creationId xmlns:p14="http://schemas.microsoft.com/office/powerpoint/2010/main" val="2668530629"/>
       </p:ext>
     </p:extLst>
   </p:cSld>
